--- a/ppt 16-9/1229.走进新的一天.pptx
+++ b/ppt 16-9/1229.走进新的一天.pptx
@@ -129,7 +129,7 @@
           <p:cNvPr id="2" name="标题 1">
             <a:extLst>
               <a:ext uri="{FF2B5EF4-FFF2-40B4-BE49-F238E27FC236}">
-                <a16:creationId xmlns:a16="http://schemas.microsoft.com/office/drawing/2014/main" id="{79D9A522-DEF6-2C50-AFC5-02436510D3DE}"/>
+                <a16:creationId xmlns:a16="http://schemas.microsoft.com/office/drawing/2014/main" id="{349E198A-552F-2F4C-B928-1412E8E50912}"/>
               </a:ext>
             </a:extLst>
           </p:cNvPr>
@@ -166,7 +166,7 @@
           <p:cNvPr id="3" name="副标题 2">
             <a:extLst>
               <a:ext uri="{FF2B5EF4-FFF2-40B4-BE49-F238E27FC236}">
-                <a16:creationId xmlns:a16="http://schemas.microsoft.com/office/drawing/2014/main" id="{791DB7C6-D52F-79C4-B0B4-8AAB0D52F8D5}"/>
+                <a16:creationId xmlns:a16="http://schemas.microsoft.com/office/drawing/2014/main" id="{51338726-ED44-88F9-909C-982069C6CBE1}"/>
               </a:ext>
             </a:extLst>
           </p:cNvPr>
@@ -236,7 +236,7 @@
           <p:cNvPr id="4" name="日期占位符 3">
             <a:extLst>
               <a:ext uri="{FF2B5EF4-FFF2-40B4-BE49-F238E27FC236}">
-                <a16:creationId xmlns:a16="http://schemas.microsoft.com/office/drawing/2014/main" id="{30C325F8-AD0B-3CA4-549C-A16331CBB3F7}"/>
+                <a16:creationId xmlns:a16="http://schemas.microsoft.com/office/drawing/2014/main" id="{EEC740D2-81BE-8388-2B53-BCCBBF3DAB7F}"/>
               </a:ext>
             </a:extLst>
           </p:cNvPr>
@@ -252,7 +252,7 @@
           <a:bodyPr/>
           <a:lstStyle/>
           <a:p>
-            <a:fld id="{BB1D93D7-CDA9-4CB0-931E-F4414A4BBE94}" type="datetimeFigureOut">
+            <a:fld id="{4CEADD14-DEE9-4600-B6B4-E6C2D18CF176}" type="datetimeFigureOut">
               <a:rPr lang="zh-CN" altLang="en-US" smtClean="0"/>
               <a:t>2024/3/10</a:t>
             </a:fld>
@@ -265,7 +265,7 @@
           <p:cNvPr id="5" name="页脚占位符 4">
             <a:extLst>
               <a:ext uri="{FF2B5EF4-FFF2-40B4-BE49-F238E27FC236}">
-                <a16:creationId xmlns:a16="http://schemas.microsoft.com/office/drawing/2014/main" id="{4581D433-FD9D-B131-E403-3DD197F127FE}"/>
+                <a16:creationId xmlns:a16="http://schemas.microsoft.com/office/drawing/2014/main" id="{E9854B2E-97DF-60BA-D4AD-0FAD295C6F65}"/>
               </a:ext>
             </a:extLst>
           </p:cNvPr>
@@ -290,7 +290,7 @@
           <p:cNvPr id="6" name="灯片编号占位符 5">
             <a:extLst>
               <a:ext uri="{FF2B5EF4-FFF2-40B4-BE49-F238E27FC236}">
-                <a16:creationId xmlns:a16="http://schemas.microsoft.com/office/drawing/2014/main" id="{936A5563-D506-BA84-B5E1-9EB0FA686A44}"/>
+                <a16:creationId xmlns:a16="http://schemas.microsoft.com/office/drawing/2014/main" id="{05BE12E6-EBA1-CE79-6BF5-48B0B6D77B2E}"/>
               </a:ext>
             </a:extLst>
           </p:cNvPr>
@@ -306,7 +306,7 @@
           <a:bodyPr/>
           <a:lstStyle/>
           <a:p>
-            <a:fld id="{1E535DF4-487D-4C44-BCA4-E1232AD36FA3}" type="slidenum">
+            <a:fld id="{90EFDFCE-5848-49ED-A245-68A558C65878}" type="slidenum">
               <a:rPr lang="zh-CN" altLang="en-US" smtClean="0"/>
               <a:t>‹#›</a:t>
             </a:fld>
@@ -317,7 +317,7 @@
     </p:spTree>
     <p:extLst>
       <p:ext uri="{BB962C8B-B14F-4D97-AF65-F5344CB8AC3E}">
-        <p14:creationId xmlns:p14="http://schemas.microsoft.com/office/powerpoint/2010/main" val="1807627007"/>
+        <p14:creationId xmlns:p14="http://schemas.microsoft.com/office/powerpoint/2010/main" val="291950510"/>
       </p:ext>
     </p:extLst>
   </p:cSld>
@@ -349,7 +349,7 @@
           <p:cNvPr id="2" name="标题 1">
             <a:extLst>
               <a:ext uri="{FF2B5EF4-FFF2-40B4-BE49-F238E27FC236}">
-                <a16:creationId xmlns:a16="http://schemas.microsoft.com/office/drawing/2014/main" id="{9855F975-3677-2088-EEBF-47705A5A7396}"/>
+                <a16:creationId xmlns:a16="http://schemas.microsoft.com/office/drawing/2014/main" id="{0F4995B8-9DAD-23E7-4CB4-9840DA3E3347}"/>
               </a:ext>
             </a:extLst>
           </p:cNvPr>
@@ -377,7 +377,7 @@
           <p:cNvPr id="3" name="竖排文字占位符 2">
             <a:extLst>
               <a:ext uri="{FF2B5EF4-FFF2-40B4-BE49-F238E27FC236}">
-                <a16:creationId xmlns:a16="http://schemas.microsoft.com/office/drawing/2014/main" id="{BE8E6630-B218-719E-B051-EA3FCFABC59D}"/>
+                <a16:creationId xmlns:a16="http://schemas.microsoft.com/office/drawing/2014/main" id="{7AF27E16-EF89-6ED2-4EA3-049D74E17937}"/>
               </a:ext>
             </a:extLst>
           </p:cNvPr>
@@ -434,7 +434,7 @@
           <p:cNvPr id="4" name="日期占位符 3">
             <a:extLst>
               <a:ext uri="{FF2B5EF4-FFF2-40B4-BE49-F238E27FC236}">
-                <a16:creationId xmlns:a16="http://schemas.microsoft.com/office/drawing/2014/main" id="{7A425E10-CA63-C5D9-38BB-A8D61D724B50}"/>
+                <a16:creationId xmlns:a16="http://schemas.microsoft.com/office/drawing/2014/main" id="{4E993B9B-B199-164A-A8F5-1A78BD70B4D2}"/>
               </a:ext>
             </a:extLst>
           </p:cNvPr>
@@ -450,7 +450,7 @@
           <a:bodyPr/>
           <a:lstStyle/>
           <a:p>
-            <a:fld id="{BB1D93D7-CDA9-4CB0-931E-F4414A4BBE94}" type="datetimeFigureOut">
+            <a:fld id="{4CEADD14-DEE9-4600-B6B4-E6C2D18CF176}" type="datetimeFigureOut">
               <a:rPr lang="zh-CN" altLang="en-US" smtClean="0"/>
               <a:t>2024/3/10</a:t>
             </a:fld>
@@ -463,7 +463,7 @@
           <p:cNvPr id="5" name="页脚占位符 4">
             <a:extLst>
               <a:ext uri="{FF2B5EF4-FFF2-40B4-BE49-F238E27FC236}">
-                <a16:creationId xmlns:a16="http://schemas.microsoft.com/office/drawing/2014/main" id="{1999B4C8-BB7F-5CC4-8B4D-146C70062806}"/>
+                <a16:creationId xmlns:a16="http://schemas.microsoft.com/office/drawing/2014/main" id="{B4CEE6B8-B7FE-EA0E-CB1C-C70686546F93}"/>
               </a:ext>
             </a:extLst>
           </p:cNvPr>
@@ -488,7 +488,7 @@
           <p:cNvPr id="6" name="灯片编号占位符 5">
             <a:extLst>
               <a:ext uri="{FF2B5EF4-FFF2-40B4-BE49-F238E27FC236}">
-                <a16:creationId xmlns:a16="http://schemas.microsoft.com/office/drawing/2014/main" id="{3181CD4C-54D1-E663-C1AF-E79E04D26DB1}"/>
+                <a16:creationId xmlns:a16="http://schemas.microsoft.com/office/drawing/2014/main" id="{4F12A5BA-BD03-858A-9CBE-649D5568C3E9}"/>
               </a:ext>
             </a:extLst>
           </p:cNvPr>
@@ -504,7 +504,7 @@
           <a:bodyPr/>
           <a:lstStyle/>
           <a:p>
-            <a:fld id="{1E535DF4-487D-4C44-BCA4-E1232AD36FA3}" type="slidenum">
+            <a:fld id="{90EFDFCE-5848-49ED-A245-68A558C65878}" type="slidenum">
               <a:rPr lang="zh-CN" altLang="en-US" smtClean="0"/>
               <a:t>‹#›</a:t>
             </a:fld>
@@ -515,7 +515,7 @@
     </p:spTree>
     <p:extLst>
       <p:ext uri="{BB962C8B-B14F-4D97-AF65-F5344CB8AC3E}">
-        <p14:creationId xmlns:p14="http://schemas.microsoft.com/office/powerpoint/2010/main" val="2238506256"/>
+        <p14:creationId xmlns:p14="http://schemas.microsoft.com/office/powerpoint/2010/main" val="748224642"/>
       </p:ext>
     </p:extLst>
   </p:cSld>
@@ -547,7 +547,7 @@
           <p:cNvPr id="2" name="竖排标题 1">
             <a:extLst>
               <a:ext uri="{FF2B5EF4-FFF2-40B4-BE49-F238E27FC236}">
-                <a16:creationId xmlns:a16="http://schemas.microsoft.com/office/drawing/2014/main" id="{30689A08-7EA9-E792-6930-5D458BE086FD}"/>
+                <a16:creationId xmlns:a16="http://schemas.microsoft.com/office/drawing/2014/main" id="{D40AFE49-EEB9-B4CE-3C05-FA0E6C0DF25F}"/>
               </a:ext>
             </a:extLst>
           </p:cNvPr>
@@ -580,7 +580,7 @@
           <p:cNvPr id="3" name="竖排文字占位符 2">
             <a:extLst>
               <a:ext uri="{FF2B5EF4-FFF2-40B4-BE49-F238E27FC236}">
-                <a16:creationId xmlns:a16="http://schemas.microsoft.com/office/drawing/2014/main" id="{CFE9BB80-E402-ACBE-FA1F-7DA4699D3467}"/>
+                <a16:creationId xmlns:a16="http://schemas.microsoft.com/office/drawing/2014/main" id="{A46615C0-9694-66BC-BAD8-3D88007BBA62}"/>
               </a:ext>
             </a:extLst>
           </p:cNvPr>
@@ -642,7 +642,7 @@
           <p:cNvPr id="4" name="日期占位符 3">
             <a:extLst>
               <a:ext uri="{FF2B5EF4-FFF2-40B4-BE49-F238E27FC236}">
-                <a16:creationId xmlns:a16="http://schemas.microsoft.com/office/drawing/2014/main" id="{8DFCCF13-5410-4080-14ED-D150F7E01444}"/>
+                <a16:creationId xmlns:a16="http://schemas.microsoft.com/office/drawing/2014/main" id="{3213F8C0-79FD-39F0-EE5F-8E0D87B1D90D}"/>
               </a:ext>
             </a:extLst>
           </p:cNvPr>
@@ -658,7 +658,7 @@
           <a:bodyPr/>
           <a:lstStyle/>
           <a:p>
-            <a:fld id="{BB1D93D7-CDA9-4CB0-931E-F4414A4BBE94}" type="datetimeFigureOut">
+            <a:fld id="{4CEADD14-DEE9-4600-B6B4-E6C2D18CF176}" type="datetimeFigureOut">
               <a:rPr lang="zh-CN" altLang="en-US" smtClean="0"/>
               <a:t>2024/3/10</a:t>
             </a:fld>
@@ -671,7 +671,7 @@
           <p:cNvPr id="5" name="页脚占位符 4">
             <a:extLst>
               <a:ext uri="{FF2B5EF4-FFF2-40B4-BE49-F238E27FC236}">
-                <a16:creationId xmlns:a16="http://schemas.microsoft.com/office/drawing/2014/main" id="{1A279E46-826F-C9E3-4A01-4D5B871E9A85}"/>
+                <a16:creationId xmlns:a16="http://schemas.microsoft.com/office/drawing/2014/main" id="{643AE670-789E-9EE8-9643-C7F464550EB3}"/>
               </a:ext>
             </a:extLst>
           </p:cNvPr>
@@ -696,7 +696,7 @@
           <p:cNvPr id="6" name="灯片编号占位符 5">
             <a:extLst>
               <a:ext uri="{FF2B5EF4-FFF2-40B4-BE49-F238E27FC236}">
-                <a16:creationId xmlns:a16="http://schemas.microsoft.com/office/drawing/2014/main" id="{C70AE47C-AD02-EBC3-AF53-7490A7B3208B}"/>
+                <a16:creationId xmlns:a16="http://schemas.microsoft.com/office/drawing/2014/main" id="{EBA0D0D1-72CE-3ECB-117F-31D9A9E3340C}"/>
               </a:ext>
             </a:extLst>
           </p:cNvPr>
@@ -712,7 +712,7 @@
           <a:bodyPr/>
           <a:lstStyle/>
           <a:p>
-            <a:fld id="{1E535DF4-487D-4C44-BCA4-E1232AD36FA3}" type="slidenum">
+            <a:fld id="{90EFDFCE-5848-49ED-A245-68A558C65878}" type="slidenum">
               <a:rPr lang="zh-CN" altLang="en-US" smtClean="0"/>
               <a:t>‹#›</a:t>
             </a:fld>
@@ -723,7 +723,7 @@
     </p:spTree>
     <p:extLst>
       <p:ext uri="{BB962C8B-B14F-4D97-AF65-F5344CB8AC3E}">
-        <p14:creationId xmlns:p14="http://schemas.microsoft.com/office/powerpoint/2010/main" val="481501208"/>
+        <p14:creationId xmlns:p14="http://schemas.microsoft.com/office/powerpoint/2010/main" val="3706684853"/>
       </p:ext>
     </p:extLst>
   </p:cSld>
@@ -755,7 +755,7 @@
           <p:cNvPr id="2" name="标题 1">
             <a:extLst>
               <a:ext uri="{FF2B5EF4-FFF2-40B4-BE49-F238E27FC236}">
-                <a16:creationId xmlns:a16="http://schemas.microsoft.com/office/drawing/2014/main" id="{9BE26D73-EF49-2DB7-DD36-D4FBF53B7312}"/>
+                <a16:creationId xmlns:a16="http://schemas.microsoft.com/office/drawing/2014/main" id="{964BA8AB-5688-C51D-CA7C-40E8BD5365DC}"/>
               </a:ext>
             </a:extLst>
           </p:cNvPr>
@@ -783,7 +783,7 @@
           <p:cNvPr id="3" name="内容占位符 2">
             <a:extLst>
               <a:ext uri="{FF2B5EF4-FFF2-40B4-BE49-F238E27FC236}">
-                <a16:creationId xmlns:a16="http://schemas.microsoft.com/office/drawing/2014/main" id="{D547D764-C45F-2B5E-43BB-5E6EF5DAEA16}"/>
+                <a16:creationId xmlns:a16="http://schemas.microsoft.com/office/drawing/2014/main" id="{CB32608A-EAD8-362B-1BCB-E992B81BFBC7}"/>
               </a:ext>
             </a:extLst>
           </p:cNvPr>
@@ -840,7 +840,7 @@
           <p:cNvPr id="4" name="日期占位符 3">
             <a:extLst>
               <a:ext uri="{FF2B5EF4-FFF2-40B4-BE49-F238E27FC236}">
-                <a16:creationId xmlns:a16="http://schemas.microsoft.com/office/drawing/2014/main" id="{A586F7C1-502B-AF75-8022-34D6730C0181}"/>
+                <a16:creationId xmlns:a16="http://schemas.microsoft.com/office/drawing/2014/main" id="{674D7470-22FB-D23E-144C-C563931D45BE}"/>
               </a:ext>
             </a:extLst>
           </p:cNvPr>
@@ -856,7 +856,7 @@
           <a:bodyPr/>
           <a:lstStyle/>
           <a:p>
-            <a:fld id="{BB1D93D7-CDA9-4CB0-931E-F4414A4BBE94}" type="datetimeFigureOut">
+            <a:fld id="{4CEADD14-DEE9-4600-B6B4-E6C2D18CF176}" type="datetimeFigureOut">
               <a:rPr lang="zh-CN" altLang="en-US" smtClean="0"/>
               <a:t>2024/3/10</a:t>
             </a:fld>
@@ -869,7 +869,7 @@
           <p:cNvPr id="5" name="页脚占位符 4">
             <a:extLst>
               <a:ext uri="{FF2B5EF4-FFF2-40B4-BE49-F238E27FC236}">
-                <a16:creationId xmlns:a16="http://schemas.microsoft.com/office/drawing/2014/main" id="{91470C95-7CB3-F578-67C5-38BC185E0AB0}"/>
+                <a16:creationId xmlns:a16="http://schemas.microsoft.com/office/drawing/2014/main" id="{5D38D35E-E52A-1AD3-CF6A-F982D143E2D7}"/>
               </a:ext>
             </a:extLst>
           </p:cNvPr>
@@ -894,7 +894,7 @@
           <p:cNvPr id="6" name="灯片编号占位符 5">
             <a:extLst>
               <a:ext uri="{FF2B5EF4-FFF2-40B4-BE49-F238E27FC236}">
-                <a16:creationId xmlns:a16="http://schemas.microsoft.com/office/drawing/2014/main" id="{B74F8E4B-C600-D6DE-BC86-8521173702A9}"/>
+                <a16:creationId xmlns:a16="http://schemas.microsoft.com/office/drawing/2014/main" id="{B5557258-0BF7-D6E0-FF58-E35AD78D53A4}"/>
               </a:ext>
             </a:extLst>
           </p:cNvPr>
@@ -910,7 +910,7 @@
           <a:bodyPr/>
           <a:lstStyle/>
           <a:p>
-            <a:fld id="{1E535DF4-487D-4C44-BCA4-E1232AD36FA3}" type="slidenum">
+            <a:fld id="{90EFDFCE-5848-49ED-A245-68A558C65878}" type="slidenum">
               <a:rPr lang="zh-CN" altLang="en-US" smtClean="0"/>
               <a:t>‹#›</a:t>
             </a:fld>
@@ -921,7 +921,7 @@
     </p:spTree>
     <p:extLst>
       <p:ext uri="{BB962C8B-B14F-4D97-AF65-F5344CB8AC3E}">
-        <p14:creationId xmlns:p14="http://schemas.microsoft.com/office/powerpoint/2010/main" val="1237344611"/>
+        <p14:creationId xmlns:p14="http://schemas.microsoft.com/office/powerpoint/2010/main" val="2570348858"/>
       </p:ext>
     </p:extLst>
   </p:cSld>
@@ -953,7 +953,7 @@
           <p:cNvPr id="2" name="标题 1">
             <a:extLst>
               <a:ext uri="{FF2B5EF4-FFF2-40B4-BE49-F238E27FC236}">
-                <a16:creationId xmlns:a16="http://schemas.microsoft.com/office/drawing/2014/main" id="{14F681D7-1288-CDA5-58AE-167C6AE15BDB}"/>
+                <a16:creationId xmlns:a16="http://schemas.microsoft.com/office/drawing/2014/main" id="{4B396614-5E19-6BE8-529F-7F650B214BF4}"/>
               </a:ext>
             </a:extLst>
           </p:cNvPr>
@@ -990,7 +990,7 @@
           <p:cNvPr id="3" name="文本占位符 2">
             <a:extLst>
               <a:ext uri="{FF2B5EF4-FFF2-40B4-BE49-F238E27FC236}">
-                <a16:creationId xmlns:a16="http://schemas.microsoft.com/office/drawing/2014/main" id="{1317FC61-A6A5-E10B-DE96-B43637BF0325}"/>
+                <a16:creationId xmlns:a16="http://schemas.microsoft.com/office/drawing/2014/main" id="{9590FC47-FD76-4E66-55D8-FB3C31B55E3B}"/>
               </a:ext>
             </a:extLst>
           </p:cNvPr>
@@ -1115,7 +1115,7 @@
           <p:cNvPr id="4" name="日期占位符 3">
             <a:extLst>
               <a:ext uri="{FF2B5EF4-FFF2-40B4-BE49-F238E27FC236}">
-                <a16:creationId xmlns:a16="http://schemas.microsoft.com/office/drawing/2014/main" id="{8CE575B9-00F2-FAEE-49D4-7B09F62D5B2D}"/>
+                <a16:creationId xmlns:a16="http://schemas.microsoft.com/office/drawing/2014/main" id="{AD81F8B4-11DE-97AD-79F8-96788BA27AA8}"/>
               </a:ext>
             </a:extLst>
           </p:cNvPr>
@@ -1131,7 +1131,7 @@
           <a:bodyPr/>
           <a:lstStyle/>
           <a:p>
-            <a:fld id="{BB1D93D7-CDA9-4CB0-931E-F4414A4BBE94}" type="datetimeFigureOut">
+            <a:fld id="{4CEADD14-DEE9-4600-B6B4-E6C2D18CF176}" type="datetimeFigureOut">
               <a:rPr lang="zh-CN" altLang="en-US" smtClean="0"/>
               <a:t>2024/3/10</a:t>
             </a:fld>
@@ -1144,7 +1144,7 @@
           <p:cNvPr id="5" name="页脚占位符 4">
             <a:extLst>
               <a:ext uri="{FF2B5EF4-FFF2-40B4-BE49-F238E27FC236}">
-                <a16:creationId xmlns:a16="http://schemas.microsoft.com/office/drawing/2014/main" id="{E1FE5F5C-5A91-A3B0-FE23-E5FFEB9459A5}"/>
+                <a16:creationId xmlns:a16="http://schemas.microsoft.com/office/drawing/2014/main" id="{99DC14C2-6D6F-0589-4434-8B7F98EA89FD}"/>
               </a:ext>
             </a:extLst>
           </p:cNvPr>
@@ -1169,7 +1169,7 @@
           <p:cNvPr id="6" name="灯片编号占位符 5">
             <a:extLst>
               <a:ext uri="{FF2B5EF4-FFF2-40B4-BE49-F238E27FC236}">
-                <a16:creationId xmlns:a16="http://schemas.microsoft.com/office/drawing/2014/main" id="{A78BA533-A654-2441-25AC-E4A99C259F8A}"/>
+                <a16:creationId xmlns:a16="http://schemas.microsoft.com/office/drawing/2014/main" id="{797E3DD4-FEF0-D202-D240-B35D48416943}"/>
               </a:ext>
             </a:extLst>
           </p:cNvPr>
@@ -1185,7 +1185,7 @@
           <a:bodyPr/>
           <a:lstStyle/>
           <a:p>
-            <a:fld id="{1E535DF4-487D-4C44-BCA4-E1232AD36FA3}" type="slidenum">
+            <a:fld id="{90EFDFCE-5848-49ED-A245-68A558C65878}" type="slidenum">
               <a:rPr lang="zh-CN" altLang="en-US" smtClean="0"/>
               <a:t>‹#›</a:t>
             </a:fld>
@@ -1196,7 +1196,7 @@
     </p:spTree>
     <p:extLst>
       <p:ext uri="{BB962C8B-B14F-4D97-AF65-F5344CB8AC3E}">
-        <p14:creationId xmlns:p14="http://schemas.microsoft.com/office/powerpoint/2010/main" val="1580608540"/>
+        <p14:creationId xmlns:p14="http://schemas.microsoft.com/office/powerpoint/2010/main" val="2114508997"/>
       </p:ext>
     </p:extLst>
   </p:cSld>
@@ -1228,7 +1228,7 @@
           <p:cNvPr id="2" name="标题 1">
             <a:extLst>
               <a:ext uri="{FF2B5EF4-FFF2-40B4-BE49-F238E27FC236}">
-                <a16:creationId xmlns:a16="http://schemas.microsoft.com/office/drawing/2014/main" id="{4ABED4E8-A4AA-1650-D1BE-C255D22312F6}"/>
+                <a16:creationId xmlns:a16="http://schemas.microsoft.com/office/drawing/2014/main" id="{AAF798F1-F7C5-996E-C4BE-4A3BFBC79D70}"/>
               </a:ext>
             </a:extLst>
           </p:cNvPr>
@@ -1256,7 +1256,7 @@
           <p:cNvPr id="3" name="内容占位符 2">
             <a:extLst>
               <a:ext uri="{FF2B5EF4-FFF2-40B4-BE49-F238E27FC236}">
-                <a16:creationId xmlns:a16="http://schemas.microsoft.com/office/drawing/2014/main" id="{1DAE3BF8-1CB3-7A21-A406-099A89441293}"/>
+                <a16:creationId xmlns:a16="http://schemas.microsoft.com/office/drawing/2014/main" id="{C4DF7ABB-6E98-10A4-431F-C528A28A78AA}"/>
               </a:ext>
             </a:extLst>
           </p:cNvPr>
@@ -1318,7 +1318,7 @@
           <p:cNvPr id="4" name="内容占位符 3">
             <a:extLst>
               <a:ext uri="{FF2B5EF4-FFF2-40B4-BE49-F238E27FC236}">
-                <a16:creationId xmlns:a16="http://schemas.microsoft.com/office/drawing/2014/main" id="{84018F0C-C3A7-D6F7-A7C4-124B5FB2BEDA}"/>
+                <a16:creationId xmlns:a16="http://schemas.microsoft.com/office/drawing/2014/main" id="{B184D6BD-2F9D-CE30-7B5B-A48ED335B248}"/>
               </a:ext>
             </a:extLst>
           </p:cNvPr>
@@ -1380,7 +1380,7 @@
           <p:cNvPr id="5" name="日期占位符 4">
             <a:extLst>
               <a:ext uri="{FF2B5EF4-FFF2-40B4-BE49-F238E27FC236}">
-                <a16:creationId xmlns:a16="http://schemas.microsoft.com/office/drawing/2014/main" id="{5D64954D-6ED6-9565-E3CD-2E06BEA3F7B9}"/>
+                <a16:creationId xmlns:a16="http://schemas.microsoft.com/office/drawing/2014/main" id="{D1091920-0B36-D563-B02D-B636951C4ACE}"/>
               </a:ext>
             </a:extLst>
           </p:cNvPr>
@@ -1396,7 +1396,7 @@
           <a:bodyPr/>
           <a:lstStyle/>
           <a:p>
-            <a:fld id="{BB1D93D7-CDA9-4CB0-931E-F4414A4BBE94}" type="datetimeFigureOut">
+            <a:fld id="{4CEADD14-DEE9-4600-B6B4-E6C2D18CF176}" type="datetimeFigureOut">
               <a:rPr lang="zh-CN" altLang="en-US" smtClean="0"/>
               <a:t>2024/3/10</a:t>
             </a:fld>
@@ -1409,7 +1409,7 @@
           <p:cNvPr id="6" name="页脚占位符 5">
             <a:extLst>
               <a:ext uri="{FF2B5EF4-FFF2-40B4-BE49-F238E27FC236}">
-                <a16:creationId xmlns:a16="http://schemas.microsoft.com/office/drawing/2014/main" id="{1A755FC2-C60E-3968-8770-A93BDABD020F}"/>
+                <a16:creationId xmlns:a16="http://schemas.microsoft.com/office/drawing/2014/main" id="{ABC0DE86-6D6D-D2FA-E490-9BFDE97F502C}"/>
               </a:ext>
             </a:extLst>
           </p:cNvPr>
@@ -1434,7 +1434,7 @@
           <p:cNvPr id="7" name="灯片编号占位符 6">
             <a:extLst>
               <a:ext uri="{FF2B5EF4-FFF2-40B4-BE49-F238E27FC236}">
-                <a16:creationId xmlns:a16="http://schemas.microsoft.com/office/drawing/2014/main" id="{231D04F1-A8B1-2D3B-CFDE-52EDA8534E22}"/>
+                <a16:creationId xmlns:a16="http://schemas.microsoft.com/office/drawing/2014/main" id="{85098E49-13EF-06EC-D165-8D3E6634B055}"/>
               </a:ext>
             </a:extLst>
           </p:cNvPr>
@@ -1450,7 +1450,7 @@
           <a:bodyPr/>
           <a:lstStyle/>
           <a:p>
-            <a:fld id="{1E535DF4-487D-4C44-BCA4-E1232AD36FA3}" type="slidenum">
+            <a:fld id="{90EFDFCE-5848-49ED-A245-68A558C65878}" type="slidenum">
               <a:rPr lang="zh-CN" altLang="en-US" smtClean="0"/>
               <a:t>‹#›</a:t>
             </a:fld>
@@ -1461,7 +1461,7 @@
     </p:spTree>
     <p:extLst>
       <p:ext uri="{BB962C8B-B14F-4D97-AF65-F5344CB8AC3E}">
-        <p14:creationId xmlns:p14="http://schemas.microsoft.com/office/powerpoint/2010/main" val="3660316204"/>
+        <p14:creationId xmlns:p14="http://schemas.microsoft.com/office/powerpoint/2010/main" val="35907480"/>
       </p:ext>
     </p:extLst>
   </p:cSld>
@@ -1493,7 +1493,7 @@
           <p:cNvPr id="2" name="标题 1">
             <a:extLst>
               <a:ext uri="{FF2B5EF4-FFF2-40B4-BE49-F238E27FC236}">
-                <a16:creationId xmlns:a16="http://schemas.microsoft.com/office/drawing/2014/main" id="{6E4E4835-02C1-F854-428E-304772BECED1}"/>
+                <a16:creationId xmlns:a16="http://schemas.microsoft.com/office/drawing/2014/main" id="{A49F2187-8B3F-A4D3-3E46-9BBAAF10A533}"/>
               </a:ext>
             </a:extLst>
           </p:cNvPr>
@@ -1526,7 +1526,7 @@
           <p:cNvPr id="3" name="文本占位符 2">
             <a:extLst>
               <a:ext uri="{FF2B5EF4-FFF2-40B4-BE49-F238E27FC236}">
-                <a16:creationId xmlns:a16="http://schemas.microsoft.com/office/drawing/2014/main" id="{15BAEE5B-FF24-7D46-C2D8-BB4803D2AE61}"/>
+                <a16:creationId xmlns:a16="http://schemas.microsoft.com/office/drawing/2014/main" id="{8135B8E8-3607-FED2-C6F4-715D4A0953EF}"/>
               </a:ext>
             </a:extLst>
           </p:cNvPr>
@@ -1597,7 +1597,7 @@
           <p:cNvPr id="4" name="内容占位符 3">
             <a:extLst>
               <a:ext uri="{FF2B5EF4-FFF2-40B4-BE49-F238E27FC236}">
-                <a16:creationId xmlns:a16="http://schemas.microsoft.com/office/drawing/2014/main" id="{9B53B533-79E3-3479-A042-F0E137C86BF8}"/>
+                <a16:creationId xmlns:a16="http://schemas.microsoft.com/office/drawing/2014/main" id="{B8AC3BE1-7122-3FF0-C8A3-6AA92607D4AD}"/>
               </a:ext>
             </a:extLst>
           </p:cNvPr>
@@ -1659,7 +1659,7 @@
           <p:cNvPr id="5" name="文本占位符 4">
             <a:extLst>
               <a:ext uri="{FF2B5EF4-FFF2-40B4-BE49-F238E27FC236}">
-                <a16:creationId xmlns:a16="http://schemas.microsoft.com/office/drawing/2014/main" id="{6D2D5C67-7890-54A5-9720-B5C64D87A4A3}"/>
+                <a16:creationId xmlns:a16="http://schemas.microsoft.com/office/drawing/2014/main" id="{5E668848-5232-4E51-6FA6-46422333772A}"/>
               </a:ext>
             </a:extLst>
           </p:cNvPr>
@@ -1730,7 +1730,7 @@
           <p:cNvPr id="6" name="内容占位符 5">
             <a:extLst>
               <a:ext uri="{FF2B5EF4-FFF2-40B4-BE49-F238E27FC236}">
-                <a16:creationId xmlns:a16="http://schemas.microsoft.com/office/drawing/2014/main" id="{4F9F38C0-B205-E8E5-17F5-A75E1C9BA1A9}"/>
+                <a16:creationId xmlns:a16="http://schemas.microsoft.com/office/drawing/2014/main" id="{56F21E2C-FFBF-41D1-DA25-A4FA806A22BB}"/>
               </a:ext>
             </a:extLst>
           </p:cNvPr>
@@ -1792,7 +1792,7 @@
           <p:cNvPr id="7" name="日期占位符 6">
             <a:extLst>
               <a:ext uri="{FF2B5EF4-FFF2-40B4-BE49-F238E27FC236}">
-                <a16:creationId xmlns:a16="http://schemas.microsoft.com/office/drawing/2014/main" id="{02F1F9D1-7065-E887-E814-70B7CBFE39BF}"/>
+                <a16:creationId xmlns:a16="http://schemas.microsoft.com/office/drawing/2014/main" id="{7AFAC566-0E01-C466-9D26-578F87AC5989}"/>
               </a:ext>
             </a:extLst>
           </p:cNvPr>
@@ -1808,7 +1808,7 @@
           <a:bodyPr/>
           <a:lstStyle/>
           <a:p>
-            <a:fld id="{BB1D93D7-CDA9-4CB0-931E-F4414A4BBE94}" type="datetimeFigureOut">
+            <a:fld id="{4CEADD14-DEE9-4600-B6B4-E6C2D18CF176}" type="datetimeFigureOut">
               <a:rPr lang="zh-CN" altLang="en-US" smtClean="0"/>
               <a:t>2024/3/10</a:t>
             </a:fld>
@@ -1821,7 +1821,7 @@
           <p:cNvPr id="8" name="页脚占位符 7">
             <a:extLst>
               <a:ext uri="{FF2B5EF4-FFF2-40B4-BE49-F238E27FC236}">
-                <a16:creationId xmlns:a16="http://schemas.microsoft.com/office/drawing/2014/main" id="{6A963C3C-1745-10AD-C909-85E53D1A5355}"/>
+                <a16:creationId xmlns:a16="http://schemas.microsoft.com/office/drawing/2014/main" id="{C071AF96-D415-745D-050B-721C0C01551D}"/>
               </a:ext>
             </a:extLst>
           </p:cNvPr>
@@ -1846,7 +1846,7 @@
           <p:cNvPr id="9" name="灯片编号占位符 8">
             <a:extLst>
               <a:ext uri="{FF2B5EF4-FFF2-40B4-BE49-F238E27FC236}">
-                <a16:creationId xmlns:a16="http://schemas.microsoft.com/office/drawing/2014/main" id="{9086CBC6-9FF1-878C-ED7F-9E5A5962AED8}"/>
+                <a16:creationId xmlns:a16="http://schemas.microsoft.com/office/drawing/2014/main" id="{3618412B-41AF-888E-F227-9A4606E6241D}"/>
               </a:ext>
             </a:extLst>
           </p:cNvPr>
@@ -1862,7 +1862,7 @@
           <a:bodyPr/>
           <a:lstStyle/>
           <a:p>
-            <a:fld id="{1E535DF4-487D-4C44-BCA4-E1232AD36FA3}" type="slidenum">
+            <a:fld id="{90EFDFCE-5848-49ED-A245-68A558C65878}" type="slidenum">
               <a:rPr lang="zh-CN" altLang="en-US" smtClean="0"/>
               <a:t>‹#›</a:t>
             </a:fld>
@@ -1873,7 +1873,7 @@
     </p:spTree>
     <p:extLst>
       <p:ext uri="{BB962C8B-B14F-4D97-AF65-F5344CB8AC3E}">
-        <p14:creationId xmlns:p14="http://schemas.microsoft.com/office/powerpoint/2010/main" val="1798176501"/>
+        <p14:creationId xmlns:p14="http://schemas.microsoft.com/office/powerpoint/2010/main" val="4087790030"/>
       </p:ext>
     </p:extLst>
   </p:cSld>
@@ -1905,7 +1905,7 @@
           <p:cNvPr id="2" name="标题 1">
             <a:extLst>
               <a:ext uri="{FF2B5EF4-FFF2-40B4-BE49-F238E27FC236}">
-                <a16:creationId xmlns:a16="http://schemas.microsoft.com/office/drawing/2014/main" id="{2FAFFA69-28E4-E0C7-8CCF-0B7D0C2DF00C}"/>
+                <a16:creationId xmlns:a16="http://schemas.microsoft.com/office/drawing/2014/main" id="{0FD18777-4782-4C9D-2FF7-7A484D8A9ED9}"/>
               </a:ext>
             </a:extLst>
           </p:cNvPr>
@@ -1933,7 +1933,7 @@
           <p:cNvPr id="3" name="日期占位符 2">
             <a:extLst>
               <a:ext uri="{FF2B5EF4-FFF2-40B4-BE49-F238E27FC236}">
-                <a16:creationId xmlns:a16="http://schemas.microsoft.com/office/drawing/2014/main" id="{BE1975C7-EF78-BB9B-E2FC-0A4670D45AD5}"/>
+                <a16:creationId xmlns:a16="http://schemas.microsoft.com/office/drawing/2014/main" id="{C9C7142D-FDC0-49F0-627F-551F171E9344}"/>
               </a:ext>
             </a:extLst>
           </p:cNvPr>
@@ -1949,7 +1949,7 @@
           <a:bodyPr/>
           <a:lstStyle/>
           <a:p>
-            <a:fld id="{BB1D93D7-CDA9-4CB0-931E-F4414A4BBE94}" type="datetimeFigureOut">
+            <a:fld id="{4CEADD14-DEE9-4600-B6B4-E6C2D18CF176}" type="datetimeFigureOut">
               <a:rPr lang="zh-CN" altLang="en-US" smtClean="0"/>
               <a:t>2024/3/10</a:t>
             </a:fld>
@@ -1962,7 +1962,7 @@
           <p:cNvPr id="4" name="页脚占位符 3">
             <a:extLst>
               <a:ext uri="{FF2B5EF4-FFF2-40B4-BE49-F238E27FC236}">
-                <a16:creationId xmlns:a16="http://schemas.microsoft.com/office/drawing/2014/main" id="{32D4B6C1-2726-E1CD-746D-AD66571D3919}"/>
+                <a16:creationId xmlns:a16="http://schemas.microsoft.com/office/drawing/2014/main" id="{1CFE6E14-A53C-44AA-0E9F-27CEA1E26A0C}"/>
               </a:ext>
             </a:extLst>
           </p:cNvPr>
@@ -1987,7 +1987,7 @@
           <p:cNvPr id="5" name="灯片编号占位符 4">
             <a:extLst>
               <a:ext uri="{FF2B5EF4-FFF2-40B4-BE49-F238E27FC236}">
-                <a16:creationId xmlns:a16="http://schemas.microsoft.com/office/drawing/2014/main" id="{5B28477B-F2B7-9EFC-1924-B1429AE0B847}"/>
+                <a16:creationId xmlns:a16="http://schemas.microsoft.com/office/drawing/2014/main" id="{10A7009A-0071-6AC2-4DCC-8736047C7FDB}"/>
               </a:ext>
             </a:extLst>
           </p:cNvPr>
@@ -2003,7 +2003,7 @@
           <a:bodyPr/>
           <a:lstStyle/>
           <a:p>
-            <a:fld id="{1E535DF4-487D-4C44-BCA4-E1232AD36FA3}" type="slidenum">
+            <a:fld id="{90EFDFCE-5848-49ED-A245-68A558C65878}" type="slidenum">
               <a:rPr lang="zh-CN" altLang="en-US" smtClean="0"/>
               <a:t>‹#›</a:t>
             </a:fld>
@@ -2014,7 +2014,7 @@
     </p:spTree>
     <p:extLst>
       <p:ext uri="{BB962C8B-B14F-4D97-AF65-F5344CB8AC3E}">
-        <p14:creationId xmlns:p14="http://schemas.microsoft.com/office/powerpoint/2010/main" val="807395868"/>
+        <p14:creationId xmlns:p14="http://schemas.microsoft.com/office/powerpoint/2010/main" val="3405655882"/>
       </p:ext>
     </p:extLst>
   </p:cSld>
@@ -2046,7 +2046,7 @@
           <p:cNvPr id="2" name="日期占位符 1">
             <a:extLst>
               <a:ext uri="{FF2B5EF4-FFF2-40B4-BE49-F238E27FC236}">
-                <a16:creationId xmlns:a16="http://schemas.microsoft.com/office/drawing/2014/main" id="{1F3D1CCD-7D38-3B53-259C-8746467113A7}"/>
+                <a16:creationId xmlns:a16="http://schemas.microsoft.com/office/drawing/2014/main" id="{494221BB-B838-D3D2-D135-55D266FADB58}"/>
               </a:ext>
             </a:extLst>
           </p:cNvPr>
@@ -2062,7 +2062,7 @@
           <a:bodyPr/>
           <a:lstStyle/>
           <a:p>
-            <a:fld id="{BB1D93D7-CDA9-4CB0-931E-F4414A4BBE94}" type="datetimeFigureOut">
+            <a:fld id="{4CEADD14-DEE9-4600-B6B4-E6C2D18CF176}" type="datetimeFigureOut">
               <a:rPr lang="zh-CN" altLang="en-US" smtClean="0"/>
               <a:t>2024/3/10</a:t>
             </a:fld>
@@ -2075,7 +2075,7 @@
           <p:cNvPr id="3" name="页脚占位符 2">
             <a:extLst>
               <a:ext uri="{FF2B5EF4-FFF2-40B4-BE49-F238E27FC236}">
-                <a16:creationId xmlns:a16="http://schemas.microsoft.com/office/drawing/2014/main" id="{90494A6A-6180-9CEF-AB73-BAAE300E362D}"/>
+                <a16:creationId xmlns:a16="http://schemas.microsoft.com/office/drawing/2014/main" id="{57A03C24-B084-EE6E-886B-42BE092D2483}"/>
               </a:ext>
             </a:extLst>
           </p:cNvPr>
@@ -2100,7 +2100,7 @@
           <p:cNvPr id="4" name="灯片编号占位符 3">
             <a:extLst>
               <a:ext uri="{FF2B5EF4-FFF2-40B4-BE49-F238E27FC236}">
-                <a16:creationId xmlns:a16="http://schemas.microsoft.com/office/drawing/2014/main" id="{2B5B791A-32EB-C485-3099-F1655E869593}"/>
+                <a16:creationId xmlns:a16="http://schemas.microsoft.com/office/drawing/2014/main" id="{92084997-5124-384A-37B5-9E4507853CCC}"/>
               </a:ext>
             </a:extLst>
           </p:cNvPr>
@@ -2116,7 +2116,7 @@
           <a:bodyPr/>
           <a:lstStyle/>
           <a:p>
-            <a:fld id="{1E535DF4-487D-4C44-BCA4-E1232AD36FA3}" type="slidenum">
+            <a:fld id="{90EFDFCE-5848-49ED-A245-68A558C65878}" type="slidenum">
               <a:rPr lang="zh-CN" altLang="en-US" smtClean="0"/>
               <a:t>‹#›</a:t>
             </a:fld>
@@ -2127,7 +2127,7 @@
     </p:spTree>
     <p:extLst>
       <p:ext uri="{BB962C8B-B14F-4D97-AF65-F5344CB8AC3E}">
-        <p14:creationId xmlns:p14="http://schemas.microsoft.com/office/powerpoint/2010/main" val="1681480457"/>
+        <p14:creationId xmlns:p14="http://schemas.microsoft.com/office/powerpoint/2010/main" val="2572273392"/>
       </p:ext>
     </p:extLst>
   </p:cSld>
@@ -2159,7 +2159,7 @@
           <p:cNvPr id="2" name="标题 1">
             <a:extLst>
               <a:ext uri="{FF2B5EF4-FFF2-40B4-BE49-F238E27FC236}">
-                <a16:creationId xmlns:a16="http://schemas.microsoft.com/office/drawing/2014/main" id="{C461A253-7632-085E-FA62-918219E03582}"/>
+                <a16:creationId xmlns:a16="http://schemas.microsoft.com/office/drawing/2014/main" id="{B26AB7B1-1BCF-26FA-8932-A6F3F7844AD5}"/>
               </a:ext>
             </a:extLst>
           </p:cNvPr>
@@ -2196,7 +2196,7 @@
           <p:cNvPr id="3" name="内容占位符 2">
             <a:extLst>
               <a:ext uri="{FF2B5EF4-FFF2-40B4-BE49-F238E27FC236}">
-                <a16:creationId xmlns:a16="http://schemas.microsoft.com/office/drawing/2014/main" id="{995FC45E-ACF1-10F9-238A-D385D1E4B650}"/>
+                <a16:creationId xmlns:a16="http://schemas.microsoft.com/office/drawing/2014/main" id="{972705BE-FC53-4C51-D00F-6EAF4C8E48B9}"/>
               </a:ext>
             </a:extLst>
           </p:cNvPr>
@@ -2286,7 +2286,7 @@
           <p:cNvPr id="4" name="文本占位符 3">
             <a:extLst>
               <a:ext uri="{FF2B5EF4-FFF2-40B4-BE49-F238E27FC236}">
-                <a16:creationId xmlns:a16="http://schemas.microsoft.com/office/drawing/2014/main" id="{A10A7CD4-E197-FA51-1D36-6DABEFEA3C9F}"/>
+                <a16:creationId xmlns:a16="http://schemas.microsoft.com/office/drawing/2014/main" id="{FF58A9AB-CFFC-EB7C-824D-4E69C3DE4B49}"/>
               </a:ext>
             </a:extLst>
           </p:cNvPr>
@@ -2357,7 +2357,7 @@
           <p:cNvPr id="5" name="日期占位符 4">
             <a:extLst>
               <a:ext uri="{FF2B5EF4-FFF2-40B4-BE49-F238E27FC236}">
-                <a16:creationId xmlns:a16="http://schemas.microsoft.com/office/drawing/2014/main" id="{DB2DC70B-DA2C-3EC5-4745-6A300CF7F00D}"/>
+                <a16:creationId xmlns:a16="http://schemas.microsoft.com/office/drawing/2014/main" id="{673EEFF9-FF3C-7D82-85DB-689C19E3EAFC}"/>
               </a:ext>
             </a:extLst>
           </p:cNvPr>
@@ -2373,7 +2373,7 @@
           <a:bodyPr/>
           <a:lstStyle/>
           <a:p>
-            <a:fld id="{BB1D93D7-CDA9-4CB0-931E-F4414A4BBE94}" type="datetimeFigureOut">
+            <a:fld id="{4CEADD14-DEE9-4600-B6B4-E6C2D18CF176}" type="datetimeFigureOut">
               <a:rPr lang="zh-CN" altLang="en-US" smtClean="0"/>
               <a:t>2024/3/10</a:t>
             </a:fld>
@@ -2386,7 +2386,7 @@
           <p:cNvPr id="6" name="页脚占位符 5">
             <a:extLst>
               <a:ext uri="{FF2B5EF4-FFF2-40B4-BE49-F238E27FC236}">
-                <a16:creationId xmlns:a16="http://schemas.microsoft.com/office/drawing/2014/main" id="{5D2C92F2-FA23-F212-F24A-F745C99C1BF6}"/>
+                <a16:creationId xmlns:a16="http://schemas.microsoft.com/office/drawing/2014/main" id="{E53A4C3E-5932-348D-53AE-9F57E0BFF0D6}"/>
               </a:ext>
             </a:extLst>
           </p:cNvPr>
@@ -2411,7 +2411,7 @@
           <p:cNvPr id="7" name="灯片编号占位符 6">
             <a:extLst>
               <a:ext uri="{FF2B5EF4-FFF2-40B4-BE49-F238E27FC236}">
-                <a16:creationId xmlns:a16="http://schemas.microsoft.com/office/drawing/2014/main" id="{55E06B77-E6EB-AAFF-D688-46E1BAA3CA65}"/>
+                <a16:creationId xmlns:a16="http://schemas.microsoft.com/office/drawing/2014/main" id="{8C671B71-B6CF-4AE8-8970-36957E41303A}"/>
               </a:ext>
             </a:extLst>
           </p:cNvPr>
@@ -2427,7 +2427,7 @@
           <a:bodyPr/>
           <a:lstStyle/>
           <a:p>
-            <a:fld id="{1E535DF4-487D-4C44-BCA4-E1232AD36FA3}" type="slidenum">
+            <a:fld id="{90EFDFCE-5848-49ED-A245-68A558C65878}" type="slidenum">
               <a:rPr lang="zh-CN" altLang="en-US" smtClean="0"/>
               <a:t>‹#›</a:t>
             </a:fld>
@@ -2438,7 +2438,7 @@
     </p:spTree>
     <p:extLst>
       <p:ext uri="{BB962C8B-B14F-4D97-AF65-F5344CB8AC3E}">
-        <p14:creationId xmlns:p14="http://schemas.microsoft.com/office/powerpoint/2010/main" val="3098997021"/>
+        <p14:creationId xmlns:p14="http://schemas.microsoft.com/office/powerpoint/2010/main" val="314738445"/>
       </p:ext>
     </p:extLst>
   </p:cSld>
@@ -2470,7 +2470,7 @@
           <p:cNvPr id="2" name="标题 1">
             <a:extLst>
               <a:ext uri="{FF2B5EF4-FFF2-40B4-BE49-F238E27FC236}">
-                <a16:creationId xmlns:a16="http://schemas.microsoft.com/office/drawing/2014/main" id="{908DE378-9D35-4452-0546-0568466060CD}"/>
+                <a16:creationId xmlns:a16="http://schemas.microsoft.com/office/drawing/2014/main" id="{BCB941E1-2EC8-B3F7-112D-F0C89BA29D63}"/>
               </a:ext>
             </a:extLst>
           </p:cNvPr>
@@ -2507,7 +2507,7 @@
           <p:cNvPr id="3" name="图片占位符 2">
             <a:extLst>
               <a:ext uri="{FF2B5EF4-FFF2-40B4-BE49-F238E27FC236}">
-                <a16:creationId xmlns:a16="http://schemas.microsoft.com/office/drawing/2014/main" id="{887CB175-9EDB-B999-E3E7-E208AE80E663}"/>
+                <a16:creationId xmlns:a16="http://schemas.microsoft.com/office/drawing/2014/main" id="{01FCF2D9-90F3-0445-DB8D-8CAB013E0EB4}"/>
               </a:ext>
             </a:extLst>
           </p:cNvPr>
@@ -2574,7 +2574,7 @@
           <p:cNvPr id="4" name="文本占位符 3">
             <a:extLst>
               <a:ext uri="{FF2B5EF4-FFF2-40B4-BE49-F238E27FC236}">
-                <a16:creationId xmlns:a16="http://schemas.microsoft.com/office/drawing/2014/main" id="{8872D228-6E76-F8E3-6391-26109073C952}"/>
+                <a16:creationId xmlns:a16="http://schemas.microsoft.com/office/drawing/2014/main" id="{8844D998-D1CF-5852-CC17-DE6C2CC44D3F}"/>
               </a:ext>
             </a:extLst>
           </p:cNvPr>
@@ -2645,7 +2645,7 @@
           <p:cNvPr id="5" name="日期占位符 4">
             <a:extLst>
               <a:ext uri="{FF2B5EF4-FFF2-40B4-BE49-F238E27FC236}">
-                <a16:creationId xmlns:a16="http://schemas.microsoft.com/office/drawing/2014/main" id="{B46A696D-713D-A336-7984-29E0400995C7}"/>
+                <a16:creationId xmlns:a16="http://schemas.microsoft.com/office/drawing/2014/main" id="{14B61280-EE13-8A3E-CA03-E03369881C18}"/>
               </a:ext>
             </a:extLst>
           </p:cNvPr>
@@ -2661,7 +2661,7 @@
           <a:bodyPr/>
           <a:lstStyle/>
           <a:p>
-            <a:fld id="{BB1D93D7-CDA9-4CB0-931E-F4414A4BBE94}" type="datetimeFigureOut">
+            <a:fld id="{4CEADD14-DEE9-4600-B6B4-E6C2D18CF176}" type="datetimeFigureOut">
               <a:rPr lang="zh-CN" altLang="en-US" smtClean="0"/>
               <a:t>2024/3/10</a:t>
             </a:fld>
@@ -2674,7 +2674,7 @@
           <p:cNvPr id="6" name="页脚占位符 5">
             <a:extLst>
               <a:ext uri="{FF2B5EF4-FFF2-40B4-BE49-F238E27FC236}">
-                <a16:creationId xmlns:a16="http://schemas.microsoft.com/office/drawing/2014/main" id="{266A7150-4C87-AC80-8681-50A463D3F2E7}"/>
+                <a16:creationId xmlns:a16="http://schemas.microsoft.com/office/drawing/2014/main" id="{C5756B32-3104-05D3-21F3-C7D321936A49}"/>
               </a:ext>
             </a:extLst>
           </p:cNvPr>
@@ -2699,7 +2699,7 @@
           <p:cNvPr id="7" name="灯片编号占位符 6">
             <a:extLst>
               <a:ext uri="{FF2B5EF4-FFF2-40B4-BE49-F238E27FC236}">
-                <a16:creationId xmlns:a16="http://schemas.microsoft.com/office/drawing/2014/main" id="{A7AFD7A1-D152-2E66-3C98-EC37A70A2A5A}"/>
+                <a16:creationId xmlns:a16="http://schemas.microsoft.com/office/drawing/2014/main" id="{26310BEF-9A1B-13AC-D00E-861AFE612C54}"/>
               </a:ext>
             </a:extLst>
           </p:cNvPr>
@@ -2715,7 +2715,7 @@
           <a:bodyPr/>
           <a:lstStyle/>
           <a:p>
-            <a:fld id="{1E535DF4-487D-4C44-BCA4-E1232AD36FA3}" type="slidenum">
+            <a:fld id="{90EFDFCE-5848-49ED-A245-68A558C65878}" type="slidenum">
               <a:rPr lang="zh-CN" altLang="en-US" smtClean="0"/>
               <a:t>‹#›</a:t>
             </a:fld>
@@ -2726,7 +2726,7 @@
     </p:spTree>
     <p:extLst>
       <p:ext uri="{BB962C8B-B14F-4D97-AF65-F5344CB8AC3E}">
-        <p14:creationId xmlns:p14="http://schemas.microsoft.com/office/powerpoint/2010/main" val="914638505"/>
+        <p14:creationId xmlns:p14="http://schemas.microsoft.com/office/powerpoint/2010/main" val="4011072437"/>
       </p:ext>
     </p:extLst>
   </p:cSld>
@@ -2763,7 +2763,7 @@
           <p:cNvPr id="2" name="标题占位符 1">
             <a:extLst>
               <a:ext uri="{FF2B5EF4-FFF2-40B4-BE49-F238E27FC236}">
-                <a16:creationId xmlns:a16="http://schemas.microsoft.com/office/drawing/2014/main" id="{7BE94AA7-9196-5ED8-A056-D8823C045884}"/>
+                <a16:creationId xmlns:a16="http://schemas.microsoft.com/office/drawing/2014/main" id="{8620ECD6-D31D-CB7B-2CAF-5D44F0BC9D37}"/>
               </a:ext>
             </a:extLst>
           </p:cNvPr>
@@ -2801,7 +2801,7 @@
           <p:cNvPr id="3" name="文本占位符 2">
             <a:extLst>
               <a:ext uri="{FF2B5EF4-FFF2-40B4-BE49-F238E27FC236}">
-                <a16:creationId xmlns:a16="http://schemas.microsoft.com/office/drawing/2014/main" id="{486D6717-7E3C-6B35-BDD0-86BA820D99DC}"/>
+                <a16:creationId xmlns:a16="http://schemas.microsoft.com/office/drawing/2014/main" id="{5CBAF9DB-0A50-AA83-33B4-C40454D75654}"/>
               </a:ext>
             </a:extLst>
           </p:cNvPr>
@@ -2868,7 +2868,7 @@
           <p:cNvPr id="4" name="日期占位符 3">
             <a:extLst>
               <a:ext uri="{FF2B5EF4-FFF2-40B4-BE49-F238E27FC236}">
-                <a16:creationId xmlns:a16="http://schemas.microsoft.com/office/drawing/2014/main" id="{EC8A30B5-EAAC-6E9A-999B-77DB4E8F4836}"/>
+                <a16:creationId xmlns:a16="http://schemas.microsoft.com/office/drawing/2014/main" id="{9AB72781-FBC3-99F6-532B-B6A50790F530}"/>
               </a:ext>
             </a:extLst>
           </p:cNvPr>
@@ -2902,7 +2902,7 @@
             </a:lvl1pPr>
           </a:lstStyle>
           <a:p>
-            <a:fld id="{BB1D93D7-CDA9-4CB0-931E-F4414A4BBE94}" type="datetimeFigureOut">
+            <a:fld id="{4CEADD14-DEE9-4600-B6B4-E6C2D18CF176}" type="datetimeFigureOut">
               <a:rPr lang="zh-CN" altLang="en-US" smtClean="0"/>
               <a:t>2024/3/10</a:t>
             </a:fld>
@@ -2915,7 +2915,7 @@
           <p:cNvPr id="5" name="页脚占位符 4">
             <a:extLst>
               <a:ext uri="{FF2B5EF4-FFF2-40B4-BE49-F238E27FC236}">
-                <a16:creationId xmlns:a16="http://schemas.microsoft.com/office/drawing/2014/main" id="{1700DDF9-06B7-8C56-B994-B71223BA2F5A}"/>
+                <a16:creationId xmlns:a16="http://schemas.microsoft.com/office/drawing/2014/main" id="{F428EF11-5BE4-8357-B373-B5F7C1B88CB4}"/>
               </a:ext>
             </a:extLst>
           </p:cNvPr>
@@ -2958,7 +2958,7 @@
           <p:cNvPr id="6" name="灯片编号占位符 5">
             <a:extLst>
               <a:ext uri="{FF2B5EF4-FFF2-40B4-BE49-F238E27FC236}">
-                <a16:creationId xmlns:a16="http://schemas.microsoft.com/office/drawing/2014/main" id="{B7D68A21-6F0A-C2F2-50C0-051C817CAE3C}"/>
+                <a16:creationId xmlns:a16="http://schemas.microsoft.com/office/drawing/2014/main" id="{A13BD341-361F-478E-6922-F104B82B3D54}"/>
               </a:ext>
             </a:extLst>
           </p:cNvPr>
@@ -2992,7 +2992,7 @@
             </a:lvl1pPr>
           </a:lstStyle>
           <a:p>
-            <a:fld id="{1E535DF4-487D-4C44-BCA4-E1232AD36FA3}" type="slidenum">
+            <a:fld id="{90EFDFCE-5848-49ED-A245-68A558C65878}" type="slidenum">
               <a:rPr lang="zh-CN" altLang="en-US" smtClean="0"/>
               <a:t>‹#›</a:t>
             </a:fld>
@@ -3003,7 +3003,7 @@
     </p:spTree>
     <p:extLst>
       <p:ext uri="{BB962C8B-B14F-4D97-AF65-F5344CB8AC3E}">
-        <p14:creationId xmlns:p14="http://schemas.microsoft.com/office/powerpoint/2010/main" val="3688527483"/>
+        <p14:creationId xmlns:p14="http://schemas.microsoft.com/office/powerpoint/2010/main" val="3977746109"/>
       </p:ext>
     </p:extLst>
   </p:cSld>
